--- a/practices/P0/P0-SW Development  Frameworks.pptx
+++ b/practices/P0/P0-SW Development  Frameworks.pptx
@@ -1028,7 +1028,7 @@
           <a:graphicData uri="http://schemas.openxmlformats.org/presentationml/2006/ole">
             <mc:AlternateContent xmlns:mc="http://schemas.openxmlformats.org/markup-compatibility/2006">
               <mc:Choice xmlns:v="urn:schemas-microsoft-com:vml" Requires="v">
-                <p:oleObj spid="_x0000_s50221" name="Imagen de mapa de bits" r:id="rId3" imgW="3950511" imgH="3798654" progId="Paint.Picture">
+                <p:oleObj spid="_x0000_s50223" name="Imagen de mapa de bits" r:id="rId3" imgW="3950511" imgH="3798654" progId="Paint.Picture">
                   <p:embed/>
                 </p:oleObj>
               </mc:Choice>
@@ -2957,7 +2957,7 @@
           <a:graphicData uri="http://schemas.openxmlformats.org/presentationml/2006/ole">
             <mc:AlternateContent xmlns:mc="http://schemas.openxmlformats.org/markup-compatibility/2006">
               <mc:Choice xmlns:v="urn:schemas-microsoft-com:vml" Requires="v">
-                <p:oleObj spid="_x0000_s1079" name="Imagen de mapa de bits" r:id="rId14" imgW="3950511" imgH="3798654" progId="Paint.Picture">
+                <p:oleObj spid="_x0000_s1081" name="Imagen de mapa de bits" r:id="rId14" imgW="3950511" imgH="3798654" progId="Paint.Picture">
                   <p:embed/>
                 </p:oleObj>
               </mc:Choice>
@@ -4755,6 +4755,13 @@
     <a:masterClrMapping/>
   </p:clrMapOvr>
   <p:transition/>
+  <p:timing>
+    <p:tnLst>
+      <p:par>
+        <p:cTn id="1" dur="indefinite" restart="never" nodeType="tmRoot"/>
+      </p:par>
+    </p:tnLst>
+  </p:timing>
 </p:sld>
 </file>
 
@@ -4980,6 +4987,13 @@
   <p:clrMapOvr>
     <a:masterClrMapping/>
   </p:clrMapOvr>
+  <p:timing>
+    <p:tnLst>
+      <p:par>
+        <p:cTn id="1" dur="indefinite" restart="never" nodeType="tmRoot"/>
+      </p:par>
+    </p:tnLst>
+  </p:timing>
 </p:sld>
 </file>
 
@@ -5071,6 +5085,13 @@
   <p:clrMapOvr>
     <a:masterClrMapping/>
   </p:clrMapOvr>
+  <p:timing>
+    <p:tnLst>
+      <p:par>
+        <p:cTn id="1" dur="indefinite" restart="never" nodeType="tmRoot"/>
+      </p:par>
+    </p:tnLst>
+  </p:timing>
 </p:sld>
 </file>
 
@@ -5162,6 +5183,13 @@
   <p:clrMapOvr>
     <a:masterClrMapping/>
   </p:clrMapOvr>
+  <p:timing>
+    <p:tnLst>
+      <p:par>
+        <p:cTn id="1" dur="indefinite" restart="never" nodeType="tmRoot"/>
+      </p:par>
+    </p:tnLst>
+  </p:timing>
 </p:sld>
 </file>
 
@@ -5253,6 +5281,13 @@
   <p:clrMapOvr>
     <a:masterClrMapping/>
   </p:clrMapOvr>
+  <p:timing>
+    <p:tnLst>
+      <p:par>
+        <p:cTn id="1" dur="indefinite" restart="never" nodeType="tmRoot"/>
+      </p:par>
+    </p:tnLst>
+  </p:timing>
 </p:sld>
 </file>
 
@@ -5339,6 +5374,13 @@
   <p:clrMapOvr>
     <a:masterClrMapping/>
   </p:clrMapOvr>
+  <p:timing>
+    <p:tnLst>
+      <p:par>
+        <p:cTn id="1" dur="indefinite" restart="never" nodeType="tmRoot"/>
+      </p:par>
+    </p:tnLst>
+  </p:timing>
 </p:sld>
 </file>
 
@@ -5467,6 +5509,13 @@
   <p:clrMapOvr>
     <a:masterClrMapping/>
   </p:clrMapOvr>
+  <p:timing>
+    <p:tnLst>
+      <p:par>
+        <p:cTn id="1" dur="indefinite" restart="never" nodeType="tmRoot"/>
+      </p:par>
+    </p:tnLst>
+  </p:timing>
 </p:sld>
 </file>
 
@@ -5881,6 +5930,13 @@
   <p:clrMapOvr>
     <a:masterClrMapping/>
   </p:clrMapOvr>
+  <p:timing>
+    <p:tnLst>
+      <p:par>
+        <p:cTn id="1" dur="indefinite" restart="never" nodeType="tmRoot"/>
+      </p:par>
+    </p:tnLst>
+  </p:timing>
 </p:sld>
 </file>
 
@@ -6266,6 +6322,13 @@
   <p:clrMapOvr>
     <a:masterClrMapping/>
   </p:clrMapOvr>
+  <p:timing>
+    <p:tnLst>
+      <p:par>
+        <p:cTn id="1" dur="indefinite" restart="never" nodeType="tmRoot"/>
+      </p:par>
+    </p:tnLst>
+  </p:timing>
 </p:sld>
 </file>
 
@@ -6702,6 +6765,13 @@
   <p:clrMapOvr>
     <a:masterClrMapping/>
   </p:clrMapOvr>
+  <p:timing>
+    <p:tnLst>
+      <p:par>
+        <p:cTn id="1" dur="indefinite" restart="never" nodeType="tmRoot"/>
+      </p:par>
+    </p:tnLst>
+  </p:timing>
 </p:sld>
 </file>
 
@@ -6842,6 +6912,13 @@
   <p:clrMapOvr>
     <a:masterClrMapping/>
   </p:clrMapOvr>
+  <p:timing>
+    <p:tnLst>
+      <p:par>
+        <p:cTn id="1" dur="indefinite" restart="never" nodeType="tmRoot"/>
+      </p:par>
+    </p:tnLst>
+  </p:timing>
 </p:sld>
 </file>
 
@@ -7134,6 +7211,13 @@
   <p:clrMapOvr>
     <a:masterClrMapping/>
   </p:clrMapOvr>
+  <p:timing>
+    <p:tnLst>
+      <p:par>
+        <p:cTn id="1" dur="indefinite" restart="never" nodeType="tmRoot"/>
+      </p:par>
+    </p:tnLst>
+  </p:timing>
 </p:sld>
 </file>
 
@@ -7282,6 +7366,13 @@
   <p:clrMapOvr>
     <a:masterClrMapping/>
   </p:clrMapOvr>
+  <p:timing>
+    <p:tnLst>
+      <p:par>
+        <p:cTn id="1" dur="indefinite" restart="never" nodeType="tmRoot"/>
+      </p:par>
+    </p:tnLst>
+  </p:timing>
 </p:sld>
 </file>
 
@@ -7422,6 +7513,13 @@
   <p:clrMapOvr>
     <a:masterClrMapping/>
   </p:clrMapOvr>
+  <p:timing>
+    <p:tnLst>
+      <p:par>
+        <p:cTn id="1" dur="indefinite" restart="never" nodeType="tmRoot"/>
+      </p:par>
+    </p:tnLst>
+  </p:timing>
 </p:sld>
 </file>
 
@@ -7763,6 +7861,13 @@
   <p:clrMapOvr>
     <a:masterClrMapping/>
   </p:clrMapOvr>
+  <p:timing>
+    <p:tnLst>
+      <p:par>
+        <p:cTn id="1" dur="indefinite" restart="never" nodeType="tmRoot"/>
+      </p:par>
+    </p:tnLst>
+  </p:timing>
 </p:sld>
 </file>
 
@@ -7919,6 +8024,13 @@
   <p:clrMapOvr>
     <a:masterClrMapping/>
   </p:clrMapOvr>
+  <p:timing>
+    <p:tnLst>
+      <p:par>
+        <p:cTn id="1" dur="indefinite" restart="never" nodeType="tmRoot"/>
+      </p:par>
+    </p:tnLst>
+  </p:timing>
 </p:sld>
 </file>
 
@@ -11829,6 +11941,13 @@
   <p:clrMapOvr>
     <a:masterClrMapping/>
   </p:clrMapOvr>
+  <p:timing>
+    <p:tnLst>
+      <p:par>
+        <p:cTn id="1" dur="indefinite" restart="never" nodeType="tmRoot"/>
+      </p:par>
+    </p:tnLst>
+  </p:timing>
 </p:sld>
 </file>
 
@@ -12251,6 +12370,13 @@
   <p:clrMapOvr>
     <a:masterClrMapping/>
   </p:clrMapOvr>
+  <p:timing>
+    <p:tnLst>
+      <p:par>
+        <p:cTn id="1" dur="indefinite" restart="never" nodeType="tmRoot"/>
+      </p:par>
+    </p:tnLst>
+  </p:timing>
 </p:sld>
 </file>
 
@@ -12383,7 +12509,7 @@
                 <a:hlinkClick r:id="rId2">
                   <a:extLst>
                     <a:ext uri="{A12FA001-AC4F-418D-AE19-62706E023703}">
-                      <ahyp:hlinkClr xmlns:ahyp="http://schemas.microsoft.com/office/drawing/2018/hyperlinkcolor" xmlns="" val="tx"/>
+                      <ahyp:hlinkClr xmlns="" xmlns:ahyp="http://schemas.microsoft.com/office/drawing/2018/hyperlinkcolor" val="tx"/>
                     </a:ext>
                   </a:extLst>
                 </a:hlinkClick>
@@ -12471,6 +12597,13 @@
   <p:clrMapOvr>
     <a:masterClrMapping/>
   </p:clrMapOvr>
+  <p:timing>
+    <p:tnLst>
+      <p:par>
+        <p:cTn id="1" dur="indefinite" restart="never" nodeType="tmRoot"/>
+      </p:par>
+    </p:tnLst>
+  </p:timing>
 </p:sld>
 </file>
 
@@ -12646,6 +12779,13 @@
   <p:clrMapOvr>
     <a:masterClrMapping/>
   </p:clrMapOvr>
+  <p:timing>
+    <p:tnLst>
+      <p:par>
+        <p:cTn id="1" dur="indefinite" restart="never" nodeType="tmRoot"/>
+      </p:par>
+    </p:tnLst>
+  </p:timing>
 </p:sld>
 </file>
 
@@ -12885,6 +13025,13 @@
   <p:clrMapOvr>
     <a:masterClrMapping/>
   </p:clrMapOvr>
+  <p:timing>
+    <p:tnLst>
+      <p:par>
+        <p:cTn id="1" dur="indefinite" restart="never" nodeType="tmRoot"/>
+      </p:par>
+    </p:tnLst>
+  </p:timing>
 </p:sld>
 </file>
 
@@ -13045,6 +13192,13 @@
   <p:clrMapOvr>
     <a:masterClrMapping/>
   </p:clrMapOvr>
+  <p:timing>
+    <p:tnLst>
+      <p:par>
+        <p:cTn id="1" dur="indefinite" restart="never" nodeType="tmRoot"/>
+      </p:par>
+    </p:tnLst>
+  </p:timing>
 </p:sld>
 </file>
 
@@ -13454,6 +13608,13 @@
   <p:clrMapOvr>
     <a:masterClrMapping/>
   </p:clrMapOvr>
+  <p:timing>
+    <p:tnLst>
+      <p:par>
+        <p:cTn id="1" dur="indefinite" restart="never" nodeType="tmRoot"/>
+      </p:par>
+    </p:tnLst>
+  </p:timing>
 </p:sld>
 </file>
 
@@ -13604,6 +13765,13 @@
   <p:clrMapOvr>
     <a:masterClrMapping/>
   </p:clrMapOvr>
+  <p:timing>
+    <p:tnLst>
+      <p:par>
+        <p:cTn id="1" dur="indefinite" restart="never" nodeType="tmRoot"/>
+      </p:par>
+    </p:tnLst>
+  </p:timing>
 </p:sld>
 </file>
 
@@ -13721,6 +13889,13 @@
   <p:clrMapOvr>
     <a:masterClrMapping/>
   </p:clrMapOvr>
+  <p:timing>
+    <p:tnLst>
+      <p:par>
+        <p:cTn id="1" dur="indefinite" restart="never" nodeType="tmRoot"/>
+      </p:par>
+    </p:tnLst>
+  </p:timing>
 </p:sld>
 </file>
 
@@ -17158,6 +17333,13 @@
   <p:clrMapOvr>
     <a:masterClrMapping/>
   </p:clrMapOvr>
+  <p:timing>
+    <p:tnLst>
+      <p:par>
+        <p:cTn id="1" dur="indefinite" restart="never" nodeType="tmRoot"/>
+      </p:par>
+    </p:tnLst>
+  </p:timing>
 </p:sld>
 </file>
 
@@ -17580,6 +17762,13 @@
   <p:clrMapOvr>
     <a:masterClrMapping/>
   </p:clrMapOvr>
+  <p:timing>
+    <p:tnLst>
+      <p:par>
+        <p:cTn id="1" dur="indefinite" restart="never" nodeType="tmRoot"/>
+      </p:par>
+    </p:tnLst>
+  </p:timing>
 </p:sld>
 </file>
 
@@ -17669,7 +17858,7 @@
                 <a:hlinkClick r:id="rId2" tooltip="Application software">
                   <a:extLst>
                     <a:ext uri="{A12FA001-AC4F-418D-AE19-62706E023703}">
-                      <ahyp:hlinkClr xmlns:ahyp="http://schemas.microsoft.com/office/drawing/2018/hyperlinkcolor" xmlns="" val="tx"/>
+                      <ahyp:hlinkClr xmlns="" xmlns:ahyp="http://schemas.microsoft.com/office/drawing/2018/hyperlinkcolor" val="tx"/>
                     </a:ext>
                   </a:extLst>
                 </a:hlinkClick>
@@ -17685,7 +17874,7 @@
                 <a:hlinkClick r:id="rId3" tooltip="Computer programmer">
                   <a:extLst>
                     <a:ext uri="{A12FA001-AC4F-418D-AE19-62706E023703}">
-                      <ahyp:hlinkClr xmlns:ahyp="http://schemas.microsoft.com/office/drawing/2018/hyperlinkcolor" xmlns="" val="tx"/>
+                      <ahyp:hlinkClr xmlns="" xmlns:ahyp="http://schemas.microsoft.com/office/drawing/2018/hyperlinkcolor" val="tx"/>
                     </a:ext>
                   </a:extLst>
                 </a:hlinkClick>
@@ -17700,7 +17889,7 @@
                 <a:hlinkClick r:id="rId3" tooltip="Computer programmer">
                   <a:extLst>
                     <a:ext uri="{A12FA001-AC4F-418D-AE19-62706E023703}">
-                      <ahyp:hlinkClr xmlns:ahyp="http://schemas.microsoft.com/office/drawing/2018/hyperlinkcolor" xmlns="" val="tx"/>
+                      <ahyp:hlinkClr xmlns="" xmlns:ahyp="http://schemas.microsoft.com/office/drawing/2018/hyperlinkcolor" val="tx"/>
                     </a:ext>
                   </a:extLst>
                 </a:hlinkClick>
@@ -17719,7 +17908,7 @@
                 <a:hlinkClick r:id="rId4" tooltip="Software development">
                   <a:extLst>
                     <a:ext uri="{A12FA001-AC4F-418D-AE19-62706E023703}">
-                      <ahyp:hlinkClr xmlns:ahyp="http://schemas.microsoft.com/office/drawing/2018/hyperlinkcolor" xmlns="" val="tx"/>
+                      <ahyp:hlinkClr xmlns="" xmlns:ahyp="http://schemas.microsoft.com/office/drawing/2018/hyperlinkcolor" val="tx"/>
                     </a:ext>
                   </a:extLst>
                 </a:hlinkClick>
@@ -17745,7 +17934,7 @@
                 <a:hlinkClick r:id="rId5" tooltip="Source code editor">
                   <a:extLst>
                     <a:ext uri="{A12FA001-AC4F-418D-AE19-62706E023703}">
-                      <ahyp:hlinkClr xmlns:ahyp="http://schemas.microsoft.com/office/drawing/2018/hyperlinkcolor" xmlns="" val="tx"/>
+                      <ahyp:hlinkClr xmlns="" xmlns:ahyp="http://schemas.microsoft.com/office/drawing/2018/hyperlinkcolor" val="tx"/>
                     </a:ext>
                   </a:extLst>
                 </a:hlinkClick>
@@ -17764,7 +17953,7 @@
                 <a:hlinkClick r:id="rId6" tooltip="Build automation">
                   <a:extLst>
                     <a:ext uri="{A12FA001-AC4F-418D-AE19-62706E023703}">
-                      <ahyp:hlinkClr xmlns:ahyp="http://schemas.microsoft.com/office/drawing/2018/hyperlinkcolor" xmlns="" val="tx"/>
+                      <ahyp:hlinkClr xmlns="" xmlns:ahyp="http://schemas.microsoft.com/office/drawing/2018/hyperlinkcolor" val="tx"/>
                     </a:ext>
                   </a:extLst>
                 </a:hlinkClick>
@@ -17783,7 +17972,7 @@
                 <a:hlinkClick r:id="rId7" tooltip="Debugger">
                   <a:extLst>
                     <a:ext uri="{A12FA001-AC4F-418D-AE19-62706E023703}">
-                      <ahyp:hlinkClr xmlns:ahyp="http://schemas.microsoft.com/office/drawing/2018/hyperlinkcolor" xmlns="" val="tx"/>
+                      <ahyp:hlinkClr xmlns="" xmlns:ahyp="http://schemas.microsoft.com/office/drawing/2018/hyperlinkcolor" val="tx"/>
                     </a:ext>
                   </a:extLst>
                 </a:hlinkClick>
@@ -17834,6 +18023,13 @@
   <p:clrMapOvr>
     <a:masterClrMapping/>
   </p:clrMapOvr>
+  <p:timing>
+    <p:tnLst>
+      <p:par>
+        <p:cTn id="1" dur="indefinite" restart="never" nodeType="tmRoot"/>
+      </p:par>
+    </p:tnLst>
+  </p:timing>
 </p:sld>
 </file>
 
@@ -17940,7 +18136,7 @@
                 <a:hlinkClick r:id="rId2">
                   <a:extLst>
                     <a:ext uri="{A12FA001-AC4F-418D-AE19-62706E023703}">
-                      <ahyp:hlinkClr xmlns:ahyp="http://schemas.microsoft.com/office/drawing/2018/hyperlinkcolor" xmlns="" val="tx"/>
+                      <ahyp:hlinkClr xmlns="" xmlns:ahyp="http://schemas.microsoft.com/office/drawing/2018/hyperlinkcolor" val="tx"/>
                     </a:ext>
                   </a:extLst>
                 </a:hlinkClick>
@@ -17995,6 +18191,13 @@
   <p:clrMapOvr>
     <a:masterClrMapping/>
   </p:clrMapOvr>
+  <p:timing>
+    <p:tnLst>
+      <p:par>
+        <p:cTn id="1" dur="indefinite" restart="never" nodeType="tmRoot"/>
+      </p:par>
+    </p:tnLst>
+  </p:timing>
 </p:sld>
 </file>
 
@@ -18122,6 +18325,13 @@
   <p:clrMapOvr>
     <a:masterClrMapping/>
   </p:clrMapOvr>
+  <p:timing>
+    <p:tnLst>
+      <p:par>
+        <p:cTn id="1" dur="indefinite" restart="never" nodeType="tmRoot"/>
+      </p:par>
+    </p:tnLst>
+  </p:timing>
 </p:sld>
 </file>
 
@@ -22161,6 +22371,13 @@
   <p:clrMapOvr>
     <a:masterClrMapping/>
   </p:clrMapOvr>
+  <p:timing>
+    <p:tnLst>
+      <p:par>
+        <p:cTn id="1" dur="indefinite" restart="never" nodeType="tmRoot"/>
+      </p:par>
+    </p:tnLst>
+  </p:timing>
 </p:sld>
 </file>
 
@@ -22369,6 +22586,13 @@
   <p:clrMapOvr>
     <a:masterClrMapping/>
   </p:clrMapOvr>
+  <p:timing>
+    <p:tnLst>
+      <p:par>
+        <p:cTn id="1" dur="indefinite" restart="never" nodeType="tmRoot"/>
+      </p:par>
+    </p:tnLst>
+  </p:timing>
 </p:sld>
 </file>
 
@@ -22545,6 +22769,13 @@
   <p:clrMapOvr>
     <a:masterClrMapping/>
   </p:clrMapOvr>
+  <p:timing>
+    <p:tnLst>
+      <p:par>
+        <p:cTn id="1" dur="indefinite" restart="never" nodeType="tmRoot"/>
+      </p:par>
+    </p:tnLst>
+  </p:timing>
 </p:sld>
 </file>
 
@@ -23205,6 +23436,13 @@
   <p:clrMapOvr>
     <a:masterClrMapping/>
   </p:clrMapOvr>
+  <p:timing>
+    <p:tnLst>
+      <p:par>
+        <p:cTn id="1" dur="indefinite" restart="never" nodeType="tmRoot"/>
+      </p:par>
+    </p:tnLst>
+  </p:timing>
 </p:sld>
 </file>
 
@@ -27458,6 +27696,13 @@
   <p:clrMapOvr>
     <a:masterClrMapping/>
   </p:clrMapOvr>
+  <p:timing>
+    <p:tnLst>
+      <p:par>
+        <p:cTn id="1" dur="indefinite" restart="never" nodeType="tmRoot"/>
+      </p:par>
+    </p:tnLst>
+  </p:timing>
 </p:sld>
 </file>
 
@@ -27804,6 +28049,13 @@
   <p:clrMapOvr>
     <a:masterClrMapping/>
   </p:clrMapOvr>
+  <p:timing>
+    <p:tnLst>
+      <p:par>
+        <p:cTn id="1" dur="indefinite" restart="never" nodeType="tmRoot"/>
+      </p:par>
+    </p:tnLst>
+  </p:timing>
 </p:sld>
 </file>
 
@@ -28459,6 +28711,13 @@
   <p:clrMapOvr>
     <a:masterClrMapping/>
   </p:clrMapOvr>
+  <p:timing>
+    <p:tnLst>
+      <p:par>
+        <p:cTn id="1" dur="indefinite" restart="never" nodeType="tmRoot"/>
+      </p:par>
+    </p:tnLst>
+  </p:timing>
 </p:sld>
 </file>
 
@@ -32691,6 +32950,13 @@
   <p:clrMapOvr>
     <a:masterClrMapping/>
   </p:clrMapOvr>
+  <p:timing>
+    <p:tnLst>
+      <p:par>
+        <p:cTn id="1" dur="indefinite" restart="never" nodeType="tmRoot"/>
+      </p:par>
+    </p:tnLst>
+  </p:timing>
 </p:sld>
 </file>
 
@@ -37158,6 +37424,13 @@
   <p:clrMapOvr>
     <a:masterClrMapping/>
   </p:clrMapOvr>
+  <p:timing>
+    <p:tnLst>
+      <p:par>
+        <p:cTn id="1" dur="indefinite" restart="never" nodeType="tmRoot"/>
+      </p:par>
+    </p:tnLst>
+  </p:timing>
 </p:sld>
 </file>
 
@@ -37461,6 +37734,13 @@
   <p:clrMapOvr>
     <a:masterClrMapping/>
   </p:clrMapOvr>
+  <p:timing>
+    <p:tnLst>
+      <p:par>
+        <p:cTn id="1" dur="indefinite" restart="never" nodeType="tmRoot"/>
+      </p:par>
+    </p:tnLst>
+  </p:timing>
 </p:sld>
 </file>
 
@@ -37883,6 +38163,13 @@
   <p:clrMapOvr>
     <a:masterClrMapping/>
   </p:clrMapOvr>
+  <p:timing>
+    <p:tnLst>
+      <p:par>
+        <p:cTn id="1" dur="indefinite" restart="never" nodeType="tmRoot"/>
+      </p:par>
+    </p:tnLst>
+  </p:timing>
 </p:sld>
 </file>
 
@@ -38108,6 +38395,13 @@
   <p:clrMapOvr>
     <a:masterClrMapping/>
   </p:clrMapOvr>
+  <p:timing>
+    <p:tnLst>
+      <p:par>
+        <p:cTn id="1" dur="indefinite" restart="never" nodeType="tmRoot"/>
+      </p:par>
+    </p:tnLst>
+  </p:timing>
 </p:sld>
 </file>
 
@@ -38387,6 +38681,13 @@
   <p:clrMapOvr>
     <a:masterClrMapping/>
   </p:clrMapOvr>
+  <p:timing>
+    <p:tnLst>
+      <p:par>
+        <p:cTn id="1" dur="indefinite" restart="never" nodeType="tmRoot"/>
+      </p:par>
+    </p:tnLst>
+  </p:timing>
 </p:sld>
 </file>
 
@@ -39069,12 +39370,12 @@
               <a:defRPr/>
             </a:pPr>
             <a:r>
-              <a:rPr lang="en-US" sz="2000" dirty="0" err="1">
+              <a:rPr lang="en-US" sz="2000" dirty="0" smtClean="0">
                 <a:solidFill>
                   <a:srgbClr val="582C00"/>
                 </a:solidFill>
               </a:rPr>
-              <a:t>Installatatiom</a:t>
+              <a:t>Installation </a:t>
             </a:r>
             <a:r>
               <a:rPr lang="en-US" sz="2000" dirty="0">
@@ -39082,7 +39383,7 @@
                   <a:srgbClr val="582C00"/>
                 </a:solidFill>
               </a:rPr>
-              <a:t> &amp; Configuration</a:t>
+              <a:t>&amp; Configuration</a:t>
             </a:r>
           </a:p>
           <a:p>
@@ -39130,6 +39431,13 @@
   <p:clrMapOvr>
     <a:masterClrMapping/>
   </p:clrMapOvr>
+  <p:timing>
+    <p:tnLst>
+      <p:par>
+        <p:cTn id="1" dur="indefinite" restart="never" nodeType="tmRoot"/>
+      </p:par>
+    </p:tnLst>
+  </p:timing>
 </p:sld>
 </file>
 
@@ -41808,7 +42116,7 @@
                 <a:hlinkClick r:id="rId3" tooltip="Software configuration management">
                   <a:extLst>
                     <a:ext uri="{A12FA001-AC4F-418D-AE19-62706E023703}">
-                      <ahyp:hlinkClr xmlns:ahyp="http://schemas.microsoft.com/office/drawing/2018/hyperlinkcolor" xmlns="" val="tx"/>
+                      <ahyp:hlinkClr xmlns="" xmlns:ahyp="http://schemas.microsoft.com/office/drawing/2018/hyperlinkcolor" val="tx"/>
                     </a:ext>
                   </a:extLst>
                 </a:hlinkClick>
@@ -41836,7 +42144,7 @@
                 <a:hlinkClick r:id="rId4" tooltip="Computer program">
                   <a:extLst>
                     <a:ext uri="{A12FA001-AC4F-418D-AE19-62706E023703}">
-                      <ahyp:hlinkClr xmlns:ahyp="http://schemas.microsoft.com/office/drawing/2018/hyperlinkcolor" xmlns="" val="tx"/>
+                      <ahyp:hlinkClr xmlns="" xmlns:ahyp="http://schemas.microsoft.com/office/drawing/2018/hyperlinkcolor" val="tx"/>
                     </a:ext>
                   </a:extLst>
                 </a:hlinkClick>
@@ -41924,7 +42232,7 @@
                 <a:hlinkClick r:id="rId5" tooltip="Timestamp">
                   <a:extLst>
                     <a:ext uri="{A12FA001-AC4F-418D-AE19-62706E023703}">
-                      <ahyp:hlinkClr xmlns:ahyp="http://schemas.microsoft.com/office/drawing/2018/hyperlinkcolor" xmlns="" val="tx"/>
+                      <ahyp:hlinkClr xmlns="" xmlns:ahyp="http://schemas.microsoft.com/office/drawing/2018/hyperlinkcolor" val="tx"/>
                     </a:ext>
                   </a:extLst>
                 </a:hlinkClick>
@@ -42059,6 +42367,13 @@
   <p:clrMapOvr>
     <a:masterClrMapping/>
   </p:clrMapOvr>
+  <p:timing>
+    <p:tnLst>
+      <p:par>
+        <p:cTn id="1" dur="indefinite" restart="never" nodeType="tmRoot"/>
+      </p:par>
+    </p:tnLst>
+  </p:timing>
 </p:sld>
 </file>
 
@@ -42174,8 +42489,8 @@
               <a:t>GitHub </a:t>
             </a:r>
             <a:r>
-              <a:rPr lang="es-ES_tradnl" altLang="es-ES" sz="2400" dirty="0" err="1"/>
-              <a:t>Arquitecture</a:t>
+              <a:rPr lang="es-ES_tradnl" altLang="es-ES" sz="2400" dirty="0" err="1" smtClean="0"/>
+              <a:t>Architecture</a:t>
             </a:r>
             <a:endParaRPr lang="es-ES" altLang="es-ES" sz="2400" dirty="0"/>
           </a:p>
@@ -46015,6 +46330,13 @@
   <p:clrMapOvr>
     <a:masterClrMapping/>
   </p:clrMapOvr>
+  <p:timing>
+    <p:tnLst>
+      <p:par>
+        <p:cTn id="1" dur="indefinite" restart="never" nodeType="tmRoot"/>
+      </p:par>
+    </p:tnLst>
+  </p:timing>
 </p:sld>
 </file>
 
@@ -46135,7 +46457,7 @@
                 <a:hlinkClick r:id="rId2">
                   <a:extLst>
                     <a:ext uri="{A12FA001-AC4F-418D-AE19-62706E023703}">
-                      <ahyp:hlinkClr xmlns:ahyp="http://schemas.microsoft.com/office/drawing/2018/hyperlinkcolor" xmlns="" val="tx"/>
+                      <ahyp:hlinkClr xmlns="" xmlns:ahyp="http://schemas.microsoft.com/office/drawing/2018/hyperlinkcolor" val="tx"/>
                     </a:ext>
                   </a:extLst>
                 </a:hlinkClick>
@@ -46186,6 +46508,13 @@
   <p:clrMapOvr>
     <a:masterClrMapping/>
   </p:clrMapOvr>
+  <p:timing>
+    <p:tnLst>
+      <p:par>
+        <p:cTn id="1" dur="indefinite" restart="never" nodeType="tmRoot"/>
+      </p:par>
+    </p:tnLst>
+  </p:timing>
 </p:sld>
 </file>
 
@@ -46296,18 +46625,30 @@
               <a:buNone/>
             </a:pPr>
             <a:r>
-              <a:rPr lang="en-GB" altLang="es-ES" b="1"/>
+              <a:rPr lang="en-GB" altLang="es-ES" b="1" dirty="0"/>
               <a:t>Step 2.</a:t>
             </a:r>
             <a:r>
-              <a:rPr lang="en-GB" altLang="es-ES"/>
-              <a:t> If you don’t have an account, press the link “</a:t>
-            </a:r>
-            <a:r>
-              <a:rPr lang="en-GB" altLang="es-ES" b="1"/>
+              <a:rPr lang="en-GB" altLang="es-ES" dirty="0"/>
+              <a:t> </a:t>
+            </a:r>
+            <a:r>
+              <a:rPr lang="en-GB" altLang="es-ES" dirty="0"/>
+              <a:t>P</a:t>
+            </a:r>
+            <a:r>
+              <a:rPr lang="en-GB" altLang="es-ES" dirty="0" smtClean="0"/>
+              <a:t>ress </a:t>
+            </a:r>
+            <a:r>
+              <a:rPr lang="en-GB" altLang="es-ES" dirty="0"/>
+              <a:t>the link “</a:t>
+            </a:r>
+            <a:r>
+              <a:rPr lang="en-GB" altLang="es-ES" b="1" dirty="0"/>
               <a:t>sign up”</a:t>
             </a:r>
-            <a:endParaRPr lang="es-ES" altLang="es-ES" sz="2000" b="1"/>
+            <a:endParaRPr lang="es-ES" altLang="es-ES" sz="2000" b="1" dirty="0"/>
           </a:p>
         </p:txBody>
       </p:sp>
@@ -46355,6 +46696,13 @@
   <p:clrMapOvr>
     <a:masterClrMapping/>
   </p:clrMapOvr>
+  <p:timing>
+    <p:tnLst>
+      <p:par>
+        <p:cTn id="1" dur="indefinite" restart="never" nodeType="tmRoot"/>
+      </p:par>
+    </p:tnLst>
+  </p:timing>
 </p:sld>
 </file>
 
